--- a/素材.pptx
+++ b/素材.pptx
@@ -270,7 +270,7 @@
           <a:p>
             <a:fld id="{61C1DCBF-164B-44B4-91CF-AB8CF0E350FE}" type="datetimeFigureOut">
               <a:rPr kumimoji="1" lang="ja-JP" altLang="en-US" smtClean="0"/>
-              <a:t>2024/11/26</a:t>
+              <a:t>2024/11/27</a:t>
             </a:fld>
             <a:endParaRPr kumimoji="1" lang="ja-JP" altLang="en-US"/>
           </a:p>
@@ -516,7 +516,7 @@
           <a:p>
             <a:fld id="{61C1DCBF-164B-44B4-91CF-AB8CF0E350FE}" type="datetimeFigureOut">
               <a:rPr kumimoji="1" lang="ja-JP" altLang="en-US" smtClean="0"/>
-              <a:t>2024/11/26</a:t>
+              <a:t>2024/11/27</a:t>
             </a:fld>
             <a:endParaRPr kumimoji="1" lang="ja-JP" altLang="en-US"/>
           </a:p>
@@ -756,7 +756,7 @@
           <a:p>
             <a:fld id="{61C1DCBF-164B-44B4-91CF-AB8CF0E350FE}" type="datetimeFigureOut">
               <a:rPr kumimoji="1" lang="ja-JP" altLang="en-US" smtClean="0"/>
-              <a:t>2024/11/26</a:t>
+              <a:t>2024/11/27</a:t>
             </a:fld>
             <a:endParaRPr kumimoji="1" lang="ja-JP" altLang="en-US"/>
           </a:p>
@@ -986,7 +986,7 @@
           <a:p>
             <a:fld id="{61C1DCBF-164B-44B4-91CF-AB8CF0E350FE}" type="datetimeFigureOut">
               <a:rPr kumimoji="1" lang="ja-JP" altLang="en-US" smtClean="0"/>
-              <a:t>2024/11/26</a:t>
+              <a:t>2024/11/27</a:t>
             </a:fld>
             <a:endParaRPr kumimoji="1" lang="ja-JP" altLang="en-US"/>
           </a:p>
@@ -1261,7 +1261,7 @@
           <a:p>
             <a:fld id="{61C1DCBF-164B-44B4-91CF-AB8CF0E350FE}" type="datetimeFigureOut">
               <a:rPr kumimoji="1" lang="ja-JP" altLang="en-US" smtClean="0"/>
-              <a:t>2024/11/26</a:t>
+              <a:t>2024/11/27</a:t>
             </a:fld>
             <a:endParaRPr kumimoji="1" lang="ja-JP" altLang="en-US"/>
           </a:p>
@@ -1590,7 +1590,7 @@
           <a:p>
             <a:fld id="{61C1DCBF-164B-44B4-91CF-AB8CF0E350FE}" type="datetimeFigureOut">
               <a:rPr kumimoji="1" lang="ja-JP" altLang="en-US" smtClean="0"/>
-              <a:t>2024/11/26</a:t>
+              <a:t>2024/11/27</a:t>
             </a:fld>
             <a:endParaRPr kumimoji="1" lang="ja-JP" altLang="en-US"/>
           </a:p>
@@ -2066,7 +2066,7 @@
           <a:p>
             <a:fld id="{61C1DCBF-164B-44B4-91CF-AB8CF0E350FE}" type="datetimeFigureOut">
               <a:rPr kumimoji="1" lang="ja-JP" altLang="en-US" smtClean="0"/>
-              <a:t>2024/11/26</a:t>
+              <a:t>2024/11/27</a:t>
             </a:fld>
             <a:endParaRPr kumimoji="1" lang="ja-JP" altLang="en-US"/>
           </a:p>
@@ -2207,7 +2207,7 @@
           <a:p>
             <a:fld id="{61C1DCBF-164B-44B4-91CF-AB8CF0E350FE}" type="datetimeFigureOut">
               <a:rPr kumimoji="1" lang="ja-JP" altLang="en-US" smtClean="0"/>
-              <a:t>2024/11/26</a:t>
+              <a:t>2024/11/27</a:t>
             </a:fld>
             <a:endParaRPr kumimoji="1" lang="ja-JP" altLang="en-US"/>
           </a:p>
@@ -2320,7 +2320,7 @@
           <a:p>
             <a:fld id="{61C1DCBF-164B-44B4-91CF-AB8CF0E350FE}" type="datetimeFigureOut">
               <a:rPr kumimoji="1" lang="ja-JP" altLang="en-US" smtClean="0"/>
-              <a:t>2024/11/26</a:t>
+              <a:t>2024/11/27</a:t>
             </a:fld>
             <a:endParaRPr kumimoji="1" lang="ja-JP" altLang="en-US"/>
           </a:p>
@@ -2663,7 +2663,7 @@
           <a:p>
             <a:fld id="{61C1DCBF-164B-44B4-91CF-AB8CF0E350FE}" type="datetimeFigureOut">
               <a:rPr kumimoji="1" lang="ja-JP" altLang="en-US" smtClean="0"/>
-              <a:t>2024/11/26</a:t>
+              <a:t>2024/11/27</a:t>
             </a:fld>
             <a:endParaRPr kumimoji="1" lang="ja-JP" altLang="en-US"/>
           </a:p>
@@ -2951,7 +2951,7 @@
           <a:p>
             <a:fld id="{61C1DCBF-164B-44B4-91CF-AB8CF0E350FE}" type="datetimeFigureOut">
               <a:rPr kumimoji="1" lang="ja-JP" altLang="en-US" smtClean="0"/>
-              <a:t>2024/11/26</a:t>
+              <a:t>2024/11/27</a:t>
             </a:fld>
             <a:endParaRPr kumimoji="1" lang="ja-JP" altLang="en-US"/>
           </a:p>
@@ -3224,7 +3224,7 @@
           <a:p>
             <a:fld id="{61C1DCBF-164B-44B4-91CF-AB8CF0E350FE}" type="datetimeFigureOut">
               <a:rPr kumimoji="1" lang="ja-JP" altLang="en-US" smtClean="0"/>
-              <a:t>2024/11/26</a:t>
+              <a:t>2024/11/27</a:t>
             </a:fld>
             <a:endParaRPr kumimoji="1" lang="ja-JP" altLang="en-US"/>
           </a:p>
@@ -3888,6 +3888,100 @@
           </a:p>
         </p:txBody>
       </p:sp>
+      <p:pic>
+        <p:nvPicPr>
+          <p:cNvPr id="3" name="Picture 4">
+            <a:extLst>
+              <a:ext uri="{FF2B5EF4-FFF2-40B4-BE49-F238E27FC236}">
+                <a16:creationId xmlns:a16="http://schemas.microsoft.com/office/drawing/2014/main" id="{601825A5-30AE-9451-245A-40FE57E33966}"/>
+              </a:ext>
+            </a:extLst>
+          </p:cNvPr>
+          <p:cNvPicPr>
+            <a:picLocks noChangeAspect="1" noChangeArrowheads="1"/>
+          </p:cNvPicPr>
+          <p:nvPr/>
+        </p:nvPicPr>
+        <p:blipFill>
+          <a:blip r:embed="rId5">
+            <a:extLst>
+              <a:ext uri="{28A0092B-C50C-407E-A947-70E740481C1C}">
+                <a14:useLocalDpi xmlns:a14="http://schemas.microsoft.com/office/drawing/2010/main" val="0"/>
+              </a:ext>
+            </a:extLst>
+          </a:blip>
+          <a:srcRect/>
+          <a:stretch>
+            <a:fillRect/>
+          </a:stretch>
+        </p:blipFill>
+        <p:spPr bwMode="auto">
+          <a:xfrm>
+            <a:off x="779617" y="3130757"/>
+            <a:ext cx="1351270" cy="1719943"/>
+          </a:xfrm>
+          <a:prstGeom prst="rect">
+            <a:avLst/>
+          </a:prstGeom>
+          <a:noFill/>
+          <a:extLst>
+            <a:ext uri="{909E8E84-426E-40DD-AFC4-6F175D3DCCD1}">
+              <a14:hiddenFill xmlns:a14="http://schemas.microsoft.com/office/drawing/2010/main">
+                <a:solidFill>
+                  <a:srgbClr val="FFFFFF"/>
+                </a:solidFill>
+              </a14:hiddenFill>
+            </a:ext>
+          </a:extLst>
+        </p:spPr>
+      </p:pic>
+      <p:pic>
+        <p:nvPicPr>
+          <p:cNvPr id="5" name="Picture 6" descr="Volume 630 Issue 8016">
+            <a:extLst>
+              <a:ext uri="{FF2B5EF4-FFF2-40B4-BE49-F238E27FC236}">
+                <a16:creationId xmlns:a16="http://schemas.microsoft.com/office/drawing/2014/main" id="{A46B7065-8FD9-5B40-DF96-03E8AE55FB78}"/>
+              </a:ext>
+            </a:extLst>
+          </p:cNvPr>
+          <p:cNvPicPr>
+            <a:picLocks noChangeAspect="1" noChangeArrowheads="1"/>
+          </p:cNvPicPr>
+          <p:nvPr/>
+        </p:nvPicPr>
+        <p:blipFill>
+          <a:blip r:embed="rId6">
+            <a:extLst>
+              <a:ext uri="{28A0092B-C50C-407E-A947-70E740481C1C}">
+                <a14:useLocalDpi xmlns:a14="http://schemas.microsoft.com/office/drawing/2010/main" val="0"/>
+              </a:ext>
+            </a:extLst>
+          </a:blip>
+          <a:srcRect/>
+          <a:stretch>
+            <a:fillRect/>
+          </a:stretch>
+        </p:blipFill>
+        <p:spPr bwMode="auto">
+          <a:xfrm>
+            <a:off x="6502125" y="3093975"/>
+            <a:ext cx="1351271" cy="1793505"/>
+          </a:xfrm>
+          <a:prstGeom prst="rect">
+            <a:avLst/>
+          </a:prstGeom>
+          <a:noFill/>
+          <a:extLst>
+            <a:ext uri="{909E8E84-426E-40DD-AFC4-6F175D3DCCD1}">
+              <a14:hiddenFill xmlns:a14="http://schemas.microsoft.com/office/drawing/2010/main">
+                <a:solidFill>
+                  <a:srgbClr val="FFFFFF"/>
+                </a:solidFill>
+              </a14:hiddenFill>
+            </a:ext>
+          </a:extLst>
+        </p:spPr>
+      </p:pic>
     </p:spTree>
     <p:extLst>
       <p:ext uri="{BB962C8B-B14F-4D97-AF65-F5344CB8AC3E}">
